--- a/Rajat Shakya_SPARK 2021.pptx
+++ b/Rajat Shakya_SPARK 2021.pptx
@@ -206,7 +206,7 @@
           <a:p>
             <a:fld id="{19AAD456-0914-4F11-9C7B-F5BED4A8858B}" type="datetimeFigureOut">
               <a:rPr lang="en-US" smtClean="0"/>
-              <a:t>7/21/2021</a:t>
+              <a:t>7/27/2021</a:t>
             </a:fld>
             <a:endParaRPr lang="en-US"/>
           </a:p>
@@ -786,7 +786,7 @@
           <a:p>
             <a:fld id="{81E7C272-0CCF-45D8-95D5-70EA6AB966C6}" type="datetime1">
               <a:rPr lang="en-US" smtClean="0"/>
-              <a:t>7/21/2021</a:t>
+              <a:t>7/27/2021</a:t>
             </a:fld>
             <a:endParaRPr lang="en-US"/>
           </a:p>
@@ -994,7 +994,7 @@
           <a:p>
             <a:fld id="{A0ABF073-6BCE-4610-9E53-8D9F37524868}" type="datetime1">
               <a:rPr lang="en-US" smtClean="0"/>
-              <a:t>7/21/2021</a:t>
+              <a:t>7/27/2021</a:t>
             </a:fld>
             <a:endParaRPr lang="en-US"/>
           </a:p>
@@ -1252,7 +1252,7 @@
           <a:p>
             <a:fld id="{437B1B85-7953-4BAD-ACE6-483BB453D2B2}" type="datetime1">
               <a:rPr lang="en-US" smtClean="0"/>
-              <a:t>7/21/2021</a:t>
+              <a:t>7/27/2021</a:t>
             </a:fld>
             <a:endParaRPr lang="en-US"/>
           </a:p>
@@ -1422,7 +1422,7 @@
           <a:p>
             <a:fld id="{6713B8E2-7C56-4109-A4EB-17493703F385}" type="datetime1">
               <a:rPr lang="en-US" smtClean="0"/>
-              <a:t>7/21/2021</a:t>
+              <a:t>7/27/2021</a:t>
             </a:fld>
             <a:endParaRPr lang="en-US"/>
           </a:p>
@@ -1759,7 +1759,7 @@
           <a:p>
             <a:fld id="{BFD0D0A7-E63E-41EB-ABC0-3A530F04229C}" type="datetime1">
               <a:rPr lang="en-US" smtClean="0"/>
-              <a:t>7/21/2021</a:t>
+              <a:t>7/27/2021</a:t>
             </a:fld>
             <a:endParaRPr lang="en-US"/>
           </a:p>
@@ -2034,7 +2034,7 @@
           <a:p>
             <a:fld id="{E3832804-F02E-4D6F-8A1A-F68290241C48}" type="datetime1">
               <a:rPr lang="en-US" smtClean="0"/>
-              <a:t>7/21/2021</a:t>
+              <a:t>7/27/2021</a:t>
             </a:fld>
             <a:endParaRPr lang="en-US"/>
           </a:p>
@@ -2413,7 +2413,7 @@
           <a:p>
             <a:fld id="{D6FAFBBB-88F8-4961-91A0-60EC7DE735E1}" type="datetime1">
               <a:rPr lang="en-US" smtClean="0"/>
-              <a:t>7/21/2021</a:t>
+              <a:t>7/27/2021</a:t>
             </a:fld>
             <a:endParaRPr lang="en-US"/>
           </a:p>
@@ -2531,7 +2531,7 @@
           <a:p>
             <a:fld id="{77A24828-AEDA-41FD-9E6B-DD2AB4A9AFD5}" type="datetime1">
               <a:rPr lang="en-US" smtClean="0"/>
-              <a:t>7/21/2021</a:t>
+              <a:t>7/27/2021</a:t>
             </a:fld>
             <a:endParaRPr lang="en-US"/>
           </a:p>
@@ -2704,7 +2704,7 @@
           <a:p>
             <a:fld id="{A96D4172-4FFC-4F94-8C94-919B22D944DC}" type="datetime1">
               <a:rPr lang="en-US" smtClean="0"/>
-              <a:t>7/21/2021</a:t>
+              <a:t>7/27/2021</a:t>
             </a:fld>
             <a:endParaRPr lang="en-US"/>
           </a:p>
@@ -3060,7 +3060,7 @@
           <a:p>
             <a:fld id="{8FAC54C8-F0D4-4366-B50E-C7EA5133188B}" type="datetime1">
               <a:rPr lang="en-US" smtClean="0"/>
-              <a:t>7/21/2021</a:t>
+              <a:t>7/27/2021</a:t>
             </a:fld>
             <a:endParaRPr lang="en-US"/>
           </a:p>
@@ -3439,7 +3439,7 @@
           <a:p>
             <a:fld id="{D9997816-4FD4-4F49-BBFE-28BB68A1A91E}" type="datetime1">
               <a:rPr lang="en-US" smtClean="0"/>
-              <a:t>7/21/2021</a:t>
+              <a:t>7/27/2021</a:t>
             </a:fld>
             <a:endParaRPr lang="en-US"/>
           </a:p>
@@ -3728,7 +3728,7 @@
           <a:p>
             <a:fld id="{E781566B-7EB2-4E44-B79F-D96BB4465F79}" type="datetime1">
               <a:rPr lang="en-US" smtClean="0"/>
-              <a:t>7/21/2021</a:t>
+              <a:t>7/27/2021</a:t>
             </a:fld>
             <a:endParaRPr lang="en-US"/>
           </a:p>
@@ -8779,7 +8779,7 @@
           <a:p>
             <a:r>
               <a:rPr lang="en-US" sz="1400" dirty="0" smtClean="0"/>
-              <a:t>Source: RMS™ </a:t>
+              <a:t>Source: </a:t>
             </a:r>
             <a:r>
               <a:rPr lang="en-US" sz="1400" dirty="0" err="1" smtClean="0"/>
@@ -8787,7 +8787,11 @@
             </a:r>
             <a:r>
               <a:rPr lang="en-US" sz="1400" dirty="0" smtClean="0"/>
-              <a:t> Probability Methodology, 2010</a:t>
+              <a:t> </a:t>
+            </a:r>
+            <a:r>
+              <a:rPr lang="en-US" sz="1400" dirty="0" smtClean="0"/>
+              <a:t>Probability Methodology, 2010</a:t>
             </a:r>
             <a:endParaRPr lang="en-US" sz="1400" dirty="0"/>
           </a:p>
